--- a/week2_3/Week2-3 presentation.pptx
+++ b/week2_3/Week2-3 presentation.pptx
@@ -5686,6 +5686,12 @@
           <a:p>
             <a:r>
               <a:rPr lang="en-US" sz="2000" dirty="0"/>
+              <a:t>Other data like change in user base and change in population over time should be included.</a:t>
+            </a:r>
+          </a:p>
+          <a:p>
+            <a:r>
+              <a:rPr lang="en-US" sz="2000" dirty="0"/>
               <a:t>For the best outcome, we should analyze what makes Pink Cab so stable with its user base (advertising, loyalty rewards, etc.) and seasonal usage, along with what makes Yellow Cab so profitable.</a:t>
             </a:r>
           </a:p>
